--- a/template/mspptx/DarkBlue-Simple.pptx
+++ b/template/mspptx/DarkBlue-Simple.pptx
@@ -117,7 +117,7 @@
 
 <file path=ppt/slideLayouts/slideLayout1.xml><?xml version="1.0" encoding="utf-8"?>
 <p:sldLayout xmlns:a="http://schemas.openxmlformats.org/drawingml/2006/main" xmlns:r="http://schemas.openxmlformats.org/officeDocument/2006/relationships" xmlns:p="http://schemas.openxmlformats.org/presentationml/2006/main" type="title" preserve="1">
-  <p:cSld name="タイトル スライド">
+  <p:cSld name="Title Slide">
     <p:spTree>
       <p:nvGrpSpPr>
         <p:cNvPr id="1" name=""/>
@@ -280,7 +280,7 @@
             <a:fld id="{15384FC0-2EDF-4BC9-8FC0-5261E4DBE54F}" type="datetimeFigureOut">
               <a:rPr lang="ja-JP" altLang="en-US" smtClean="0"/>
               <a:pPr/>
-              <a:t>2022/7/29</a:t>
+              <a:t>2022/10/14</a:t>
             </a:fld>
             <a:endParaRPr lang="ja-JP" altLang="en-US"/>
           </a:p>
@@ -429,9 +429,17 @@
 </p:sldLayout>
 </file>
 
-<file path=ppt/slideLayouts/slideLayout10.xml><?xml version="1.0" encoding="utf-8"?>
-<p:sldLayout xmlns:a="http://schemas.openxmlformats.org/drawingml/2006/main" xmlns:r="http://schemas.openxmlformats.org/officeDocument/2006/relationships" xmlns:p="http://schemas.openxmlformats.org/presentationml/2006/main" type="vertTitleAndTx" preserve="1">
-  <p:cSld name="縦書きタイトルと&#10;縦書きテキスト">
+<file path=ppt/slideLayouts/slideLayout2.xml><?xml version="1.0" encoding="utf-8"?>
+<p:sldLayout xmlns:a="http://schemas.openxmlformats.org/drawingml/2006/main" xmlns:r="http://schemas.openxmlformats.org/officeDocument/2006/relationships" xmlns:p="http://schemas.openxmlformats.org/presentationml/2006/main" preserve="1" userDrawn="1">
+  <p:cSld name="Section Header">
+    <p:bg>
+      <p:bgPr>
+        <a:solidFill>
+          <a:srgbClr val="0D2659"/>
+        </a:solidFill>
+        <a:effectLst/>
+      </p:bgPr>
+    </p:bg>
     <p:spTree>
       <p:nvGrpSpPr>
         <p:cNvPr id="1" name=""/>
@@ -448,29 +456,39 @@
       </p:grpSpPr>
       <p:sp>
         <p:nvSpPr>
-          <p:cNvPr id="2" name="縦書きタイトル 1">
-            <a:extLst>
-              <a:ext uri="{FF2B5EF4-FFF2-40B4-BE49-F238E27FC236}">
-                <a16:creationId xmlns:a16="http://schemas.microsoft.com/office/drawing/2014/main" id="{2689188A-7057-77A0-A69E-D33F063BC63E}"/>
-              </a:ext>
-            </a:extLst>
-          </p:cNvPr>
-          <p:cNvSpPr>
-            <a:spLocks noGrp="1"/>
-          </p:cNvSpPr>
-          <p:nvPr>
-            <p:ph type="title" orient="vert"/>
+          <p:cNvPr id="2" name="タイトル 1">
+            <a:extLst>
+              <a:ext uri="{FF2B5EF4-FFF2-40B4-BE49-F238E27FC236}">
+                <a16:creationId xmlns:a16="http://schemas.microsoft.com/office/drawing/2014/main" id="{8AC1D1BD-FECE-E748-6B2E-DB283F509B6B}"/>
+              </a:ext>
+            </a:extLst>
+          </p:cNvPr>
+          <p:cNvSpPr>
+            <a:spLocks noGrp="1"/>
+          </p:cNvSpPr>
+          <p:nvPr>
+            <p:ph type="title"/>
           </p:nvPr>
         </p:nvSpPr>
         <p:spPr>
           <a:xfrm>
-            <a:off x="8724900" y="365125"/>
-            <a:ext cx="2628900" cy="5811838"/>
+            <a:off x="831850" y="2709644"/>
+            <a:ext cx="10515600" cy="1426128"/>
           </a:xfrm>
         </p:spPr>
         <p:txBody>
-          <a:bodyPr vert="eaVert"/>
-          <a:lstStyle/>
+          <a:bodyPr anchor="ctr">
+            <a:normAutofit/>
+          </a:bodyPr>
+          <a:lstStyle>
+            <a:lvl1pPr algn="ctr">
+              <a:defRPr sz="4400" b="1">
+                <a:solidFill>
+                  <a:schemeClr val="bg1"/>
+                </a:solidFill>
+              </a:defRPr>
+            </a:lvl1pPr>
+          </a:lstStyle>
           <a:p>
             <a:r>
               <a:rPr kumimoji="1" lang="ja-JP" altLang="en-US"/>
@@ -481,185 +499,203 @@
       </p:sp>
       <p:sp>
         <p:nvSpPr>
-          <p:cNvPr id="3" name="縦書きテキスト プレースホルダー 2">
-            <a:extLst>
-              <a:ext uri="{FF2B5EF4-FFF2-40B4-BE49-F238E27FC236}">
-                <a16:creationId xmlns:a16="http://schemas.microsoft.com/office/drawing/2014/main" id="{201E103C-2165-1AA9-7540-E2351F895296}"/>
-              </a:ext>
-            </a:extLst>
-          </p:cNvPr>
-          <p:cNvSpPr>
-            <a:spLocks noGrp="1"/>
-          </p:cNvSpPr>
-          <p:nvPr>
-            <p:ph type="body" orient="vert" idx="1"/>
-          </p:nvPr>
-        </p:nvSpPr>
+          <p:cNvPr id="4" name="日付プレースホルダー 3">
+            <a:extLst>
+              <a:ext uri="{FF2B5EF4-FFF2-40B4-BE49-F238E27FC236}">
+                <a16:creationId xmlns:a16="http://schemas.microsoft.com/office/drawing/2014/main" id="{B510820B-16C5-2AF8-105C-BE6679099364}"/>
+              </a:ext>
+            </a:extLst>
+          </p:cNvPr>
+          <p:cNvSpPr>
+            <a:spLocks noGrp="1"/>
+          </p:cNvSpPr>
+          <p:nvPr>
+            <p:ph type="dt" sz="half" idx="10"/>
+          </p:nvPr>
+        </p:nvSpPr>
+        <p:spPr/>
+        <p:txBody>
+          <a:bodyPr/>
+          <a:lstStyle>
+            <a:lvl1pPr>
+              <a:defRPr>
+                <a:solidFill>
+                  <a:schemeClr val="bg1"/>
+                </a:solidFill>
+              </a:defRPr>
+            </a:lvl1pPr>
+          </a:lstStyle>
+          <a:p>
+            <a:fld id="{15384FC0-2EDF-4BC9-8FC0-5261E4DBE54F}" type="datetimeFigureOut">
+              <a:rPr lang="ja-JP" altLang="en-US" smtClean="0"/>
+              <a:pPr/>
+              <a:t>2022/10/14</a:t>
+            </a:fld>
+            <a:endParaRPr lang="ja-JP" altLang="en-US"/>
+          </a:p>
+        </p:txBody>
+      </p:sp>
+      <p:sp>
+        <p:nvSpPr>
+          <p:cNvPr id="5" name="フッター プレースホルダー 4">
+            <a:extLst>
+              <a:ext uri="{FF2B5EF4-FFF2-40B4-BE49-F238E27FC236}">
+                <a16:creationId xmlns:a16="http://schemas.microsoft.com/office/drawing/2014/main" id="{E79FDA69-EF90-6F4B-67D6-13167B798370}"/>
+              </a:ext>
+            </a:extLst>
+          </p:cNvPr>
+          <p:cNvSpPr>
+            <a:spLocks noGrp="1"/>
+          </p:cNvSpPr>
+          <p:nvPr>
+            <p:ph type="ftr" sz="quarter" idx="11"/>
+          </p:nvPr>
+        </p:nvSpPr>
+        <p:spPr/>
+        <p:txBody>
+          <a:bodyPr/>
+          <a:lstStyle>
+            <a:lvl1pPr>
+              <a:defRPr>
+                <a:solidFill>
+                  <a:schemeClr val="bg1"/>
+                </a:solidFill>
+              </a:defRPr>
+            </a:lvl1pPr>
+          </a:lstStyle>
+          <a:p>
+            <a:endParaRPr lang="ja-JP" altLang="en-US" dirty="0"/>
+          </a:p>
+        </p:txBody>
+      </p:sp>
+      <p:sp>
+        <p:nvSpPr>
+          <p:cNvPr id="6" name="スライド番号プレースホルダー 5">
+            <a:extLst>
+              <a:ext uri="{FF2B5EF4-FFF2-40B4-BE49-F238E27FC236}">
+                <a16:creationId xmlns:a16="http://schemas.microsoft.com/office/drawing/2014/main" id="{2B8C967B-5B74-824E-8246-017D99A8C88F}"/>
+              </a:ext>
+            </a:extLst>
+          </p:cNvPr>
+          <p:cNvSpPr>
+            <a:spLocks noGrp="1"/>
+          </p:cNvSpPr>
+          <p:nvPr>
+            <p:ph type="sldNum" sz="quarter" idx="12"/>
+          </p:nvPr>
+        </p:nvSpPr>
+        <p:spPr/>
+        <p:txBody>
+          <a:bodyPr/>
+          <a:lstStyle>
+            <a:lvl1pPr>
+              <a:defRPr>
+                <a:solidFill>
+                  <a:schemeClr val="bg1"/>
+                </a:solidFill>
+              </a:defRPr>
+            </a:lvl1pPr>
+          </a:lstStyle>
+          <a:p>
+            <a:fld id="{CB495C2B-378B-40B4-A5AF-16313FEB7814}" type="slidenum">
+              <a:rPr lang="ja-JP" altLang="en-US" smtClean="0"/>
+              <a:pPr/>
+              <a:t>‹#›</a:t>
+            </a:fld>
+            <a:endParaRPr lang="ja-JP" altLang="en-US"/>
+          </a:p>
+        </p:txBody>
+      </p:sp>
+      <p:cxnSp>
+        <p:nvCxnSpPr>
+          <p:cNvPr id="7" name="直線コネクタ 6">
+            <a:extLst>
+              <a:ext uri="{FF2B5EF4-FFF2-40B4-BE49-F238E27FC236}">
+                <a16:creationId xmlns:a16="http://schemas.microsoft.com/office/drawing/2014/main" id="{E5BBE5BE-1C31-863E-1335-6D11BC4AE8A0}"/>
+              </a:ext>
+            </a:extLst>
+          </p:cNvPr>
+          <p:cNvCxnSpPr>
+            <a:cxnSpLocks/>
+          </p:cNvCxnSpPr>
+          <p:nvPr userDrawn="1"/>
+        </p:nvCxnSpPr>
         <p:spPr>
           <a:xfrm>
-            <a:off x="838200" y="365125"/>
-            <a:ext cx="7734300" cy="5811838"/>
+            <a:off x="332763" y="4150394"/>
+            <a:ext cx="11526473" cy="0"/>
           </a:xfrm>
+          <a:prstGeom prst="line">
+            <a:avLst/>
+          </a:prstGeom>
+          <a:ln w="28575">
+            <a:solidFill>
+              <a:schemeClr val="bg1"/>
+            </a:solidFill>
+          </a:ln>
         </p:spPr>
-        <p:txBody>
-          <a:bodyPr vert="eaVert"/>
-          <a:lstStyle/>
-          <a:p>
-            <a:pPr lvl="0"/>
-            <a:r>
-              <a:rPr kumimoji="1" lang="ja-JP" altLang="en-US"/>
-              <a:t>マスター テキストの書式設定</a:t>
-            </a:r>
-          </a:p>
-          <a:p>
-            <a:pPr lvl="1"/>
-            <a:r>
-              <a:rPr kumimoji="1" lang="ja-JP" altLang="en-US"/>
-              <a:t>第 </a:t>
-            </a:r>
-            <a:r>
-              <a:rPr kumimoji="1" lang="en-US" altLang="ja-JP"/>
-              <a:t>2 </a:t>
-            </a:r>
-            <a:r>
-              <a:rPr kumimoji="1" lang="ja-JP" altLang="en-US"/>
-              <a:t>レベル</a:t>
-            </a:r>
-          </a:p>
-          <a:p>
-            <a:pPr lvl="2"/>
-            <a:r>
-              <a:rPr kumimoji="1" lang="ja-JP" altLang="en-US"/>
-              <a:t>第 </a:t>
-            </a:r>
-            <a:r>
-              <a:rPr kumimoji="1" lang="en-US" altLang="ja-JP"/>
-              <a:t>3 </a:t>
-            </a:r>
-            <a:r>
-              <a:rPr kumimoji="1" lang="ja-JP" altLang="en-US"/>
-              <a:t>レベル</a:t>
-            </a:r>
-          </a:p>
-          <a:p>
-            <a:pPr lvl="3"/>
-            <a:r>
-              <a:rPr kumimoji="1" lang="ja-JP" altLang="en-US"/>
-              <a:t>第 </a:t>
-            </a:r>
-            <a:r>
-              <a:rPr kumimoji="1" lang="en-US" altLang="ja-JP"/>
-              <a:t>4 </a:t>
-            </a:r>
-            <a:r>
-              <a:rPr kumimoji="1" lang="ja-JP" altLang="en-US"/>
-              <a:t>レベル</a:t>
-            </a:r>
-          </a:p>
-          <a:p>
-            <a:pPr lvl="4"/>
-            <a:r>
-              <a:rPr kumimoji="1" lang="ja-JP" altLang="en-US"/>
-              <a:t>第 </a:t>
-            </a:r>
-            <a:r>
-              <a:rPr kumimoji="1" lang="en-US" altLang="ja-JP"/>
-              <a:t>5 </a:t>
-            </a:r>
-            <a:r>
-              <a:rPr kumimoji="1" lang="ja-JP" altLang="en-US"/>
-              <a:t>レベル</a:t>
-            </a:r>
-          </a:p>
-        </p:txBody>
-      </p:sp>
-      <p:sp>
-        <p:nvSpPr>
-          <p:cNvPr id="4" name="日付プレースホルダー 3">
-            <a:extLst>
-              <a:ext uri="{FF2B5EF4-FFF2-40B4-BE49-F238E27FC236}">
-                <a16:creationId xmlns:a16="http://schemas.microsoft.com/office/drawing/2014/main" id="{6300D32C-EDD8-C730-DE22-30892C191AE0}"/>
-              </a:ext>
-            </a:extLst>
-          </p:cNvPr>
-          <p:cNvSpPr>
-            <a:spLocks noGrp="1"/>
-          </p:cNvSpPr>
-          <p:nvPr>
-            <p:ph type="dt" sz="half" idx="10"/>
-          </p:nvPr>
-        </p:nvSpPr>
-        <p:spPr/>
-        <p:txBody>
-          <a:bodyPr/>
-          <a:lstStyle/>
-          <a:p>
-            <a:fld id="{7C3AC100-4D19-43DA-B4AD-6C479CD3A414}" type="datetimeFigureOut">
-              <a:rPr kumimoji="1" lang="ja-JP" altLang="en-US" smtClean="0"/>
-              <a:t>2022/7/29</a:t>
-            </a:fld>
-            <a:endParaRPr kumimoji="1" lang="ja-JP" altLang="en-US"/>
-          </a:p>
-        </p:txBody>
-      </p:sp>
-      <p:sp>
-        <p:nvSpPr>
-          <p:cNvPr id="5" name="フッター プレースホルダー 4">
-            <a:extLst>
-              <a:ext uri="{FF2B5EF4-FFF2-40B4-BE49-F238E27FC236}">
-                <a16:creationId xmlns:a16="http://schemas.microsoft.com/office/drawing/2014/main" id="{8C12B230-FD1B-C550-FB9C-98BB9F71767D}"/>
-              </a:ext>
-            </a:extLst>
-          </p:cNvPr>
-          <p:cNvSpPr>
-            <a:spLocks noGrp="1"/>
-          </p:cNvSpPr>
-          <p:nvPr>
-            <p:ph type="ftr" sz="quarter" idx="11"/>
-          </p:nvPr>
-        </p:nvSpPr>
-        <p:spPr/>
-        <p:txBody>
-          <a:bodyPr/>
-          <a:lstStyle/>
-          <a:p>
-            <a:endParaRPr kumimoji="1" lang="ja-JP" altLang="en-US"/>
-          </a:p>
-        </p:txBody>
-      </p:sp>
-      <p:sp>
-        <p:nvSpPr>
-          <p:cNvPr id="6" name="スライド番号プレースホルダー 5">
-            <a:extLst>
-              <a:ext uri="{FF2B5EF4-FFF2-40B4-BE49-F238E27FC236}">
-                <a16:creationId xmlns:a16="http://schemas.microsoft.com/office/drawing/2014/main" id="{88D1030D-0FA8-6090-E0ED-FDD3821B1751}"/>
-              </a:ext>
-            </a:extLst>
-          </p:cNvPr>
-          <p:cNvSpPr>
-            <a:spLocks noGrp="1"/>
-          </p:cNvSpPr>
-          <p:nvPr>
-            <p:ph type="sldNum" sz="quarter" idx="12"/>
-          </p:nvPr>
-        </p:nvSpPr>
-        <p:spPr/>
-        <p:txBody>
-          <a:bodyPr/>
-          <a:lstStyle/>
-          <a:p>
-            <a:fld id="{0B3DCFE2-3A20-4423-A50C-7D047414FBD0}" type="slidenum">
-              <a:rPr kumimoji="1" lang="ja-JP" altLang="en-US" smtClean="0"/>
-              <a:t>‹#›</a:t>
-            </a:fld>
-            <a:endParaRPr kumimoji="1" lang="ja-JP" altLang="en-US"/>
-          </a:p>
-        </p:txBody>
-      </p:sp>
+        <p:style>
+          <a:lnRef idx="1">
+            <a:schemeClr val="accent1"/>
+          </a:lnRef>
+          <a:fillRef idx="0">
+            <a:schemeClr val="accent1"/>
+          </a:fillRef>
+          <a:effectRef idx="0">
+            <a:schemeClr val="accent1"/>
+          </a:effectRef>
+          <a:fontRef idx="minor">
+            <a:schemeClr val="tx1"/>
+          </a:fontRef>
+        </p:style>
+      </p:cxnSp>
+      <p:cxnSp>
+        <p:nvCxnSpPr>
+          <p:cNvPr id="8" name="直線コネクタ 7">
+            <a:extLst>
+              <a:ext uri="{FF2B5EF4-FFF2-40B4-BE49-F238E27FC236}">
+                <a16:creationId xmlns:a16="http://schemas.microsoft.com/office/drawing/2014/main" id="{7D423B93-0251-05E5-E92D-179D449343D8}"/>
+              </a:ext>
+            </a:extLst>
+          </p:cNvPr>
+          <p:cNvCxnSpPr>
+            <a:cxnSpLocks/>
+          </p:cNvCxnSpPr>
+          <p:nvPr userDrawn="1"/>
+        </p:nvCxnSpPr>
+        <p:spPr>
+          <a:xfrm>
+            <a:off x="332763" y="2709644"/>
+            <a:ext cx="11526473" cy="0"/>
+          </a:xfrm>
+          <a:prstGeom prst="line">
+            <a:avLst/>
+          </a:prstGeom>
+          <a:ln w="28575">
+            <a:solidFill>
+              <a:schemeClr val="bg1"/>
+            </a:solidFill>
+          </a:ln>
+        </p:spPr>
+        <p:style>
+          <a:lnRef idx="1">
+            <a:schemeClr val="accent1"/>
+          </a:lnRef>
+          <a:fillRef idx="0">
+            <a:schemeClr val="accent1"/>
+          </a:fillRef>
+          <a:effectRef idx="0">
+            <a:schemeClr val="accent1"/>
+          </a:effectRef>
+          <a:fontRef idx="minor">
+            <a:schemeClr val="tx1"/>
+          </a:fontRef>
+        </p:style>
+      </p:cxnSp>
     </p:spTree>
     <p:extLst>
       <p:ext uri="{BB962C8B-B14F-4D97-AF65-F5344CB8AC3E}">
-        <p14:creationId xmlns:p14="http://schemas.microsoft.com/office/powerpoint/2010/main" val="2574079720"/>
+        <p14:creationId xmlns:p14="http://schemas.microsoft.com/office/powerpoint/2010/main" val="1591261024"/>
       </p:ext>
     </p:extLst>
   </p:cSld>
@@ -669,9 +705,9 @@
 </p:sldLayout>
 </file>
 
-<file path=ppt/slideLayouts/slideLayout2.xml><?xml version="1.0" encoding="utf-8"?>
+<file path=ppt/slideLayouts/slideLayout3.xml><?xml version="1.0" encoding="utf-8"?>
 <p:sldLayout xmlns:a="http://schemas.openxmlformats.org/drawingml/2006/main" xmlns:r="http://schemas.openxmlformats.org/officeDocument/2006/relationships" xmlns:p="http://schemas.openxmlformats.org/presentationml/2006/main" type="obj" preserve="1">
-  <p:cSld name="タイトルとコンテンツ">
+  <p:cSld name="Title and Content">
     <p:spTree>
       <p:nvGrpSpPr>
         <p:cNvPr id="1" name=""/>
@@ -870,7 +906,7 @@
           <a:p>
             <a:fld id="{15384FC0-2EDF-4BC9-8FC0-5261E4DBE54F}" type="datetimeFigureOut">
               <a:rPr kumimoji="1" lang="ja-JP" altLang="en-US" smtClean="0"/>
-              <a:t>2022/7/29</a:t>
+              <a:t>2022/10/14</a:t>
             </a:fld>
             <a:endParaRPr kumimoji="1" lang="ja-JP" altLang="en-US"/>
           </a:p>
@@ -996,17 +1032,9 @@
 </p:sldLayout>
 </file>
 
-<file path=ppt/slideLayouts/slideLayout3.xml><?xml version="1.0" encoding="utf-8"?>
-<p:sldLayout xmlns:a="http://schemas.openxmlformats.org/drawingml/2006/main" xmlns:r="http://schemas.openxmlformats.org/officeDocument/2006/relationships" xmlns:p="http://schemas.openxmlformats.org/presentationml/2006/main" preserve="1" userDrawn="1">
-  <p:cSld name="セクション見出し">
-    <p:bg>
-      <p:bgPr>
-        <a:solidFill>
-          <a:srgbClr val="0D2659"/>
-        </a:solidFill>
-        <a:effectLst/>
-      </p:bgPr>
-    </p:bg>
+<file path=ppt/slideLayouts/slideLayout4.xml><?xml version="1.0" encoding="utf-8"?>
+<p:sldLayout xmlns:a="http://schemas.openxmlformats.org/drawingml/2006/main" xmlns:r="http://schemas.openxmlformats.org/officeDocument/2006/relationships" xmlns:p="http://schemas.openxmlformats.org/presentationml/2006/main" type="twoObj" preserve="1">
+  <p:cSld name="Two Content">
     <p:spTree>
       <p:nvGrpSpPr>
         <p:cNvPr id="1" name=""/>
@@ -1026,7 +1054,7 @@
           <p:cNvPr id="2" name="タイトル 1">
             <a:extLst>
               <a:ext uri="{FF2B5EF4-FFF2-40B4-BE49-F238E27FC236}">
-                <a16:creationId xmlns:a16="http://schemas.microsoft.com/office/drawing/2014/main" id="{8AC1D1BD-FECE-E748-6B2E-DB283F509B6B}"/>
+                <a16:creationId xmlns:a16="http://schemas.microsoft.com/office/drawing/2014/main" id="{0C96A6D2-FB21-2ACB-9D43-F77F055AA713}"/>
               </a:ext>
             </a:extLst>
           </p:cNvPr>
@@ -1035,41 +1063,214 @@
           </p:cNvSpPr>
           <p:nvPr>
             <p:ph type="title"/>
+          </p:nvPr>
+        </p:nvSpPr>
+        <p:spPr/>
+        <p:txBody>
+          <a:bodyPr/>
+          <a:lstStyle/>
+          <a:p>
+            <a:r>
+              <a:rPr kumimoji="1" lang="ja-JP" altLang="en-US"/>
+              <a:t>マスター タイトルの書式設定</a:t>
+            </a:r>
+          </a:p>
+        </p:txBody>
+      </p:sp>
+      <p:sp>
+        <p:nvSpPr>
+          <p:cNvPr id="3" name="コンテンツ プレースホルダー 2">
+            <a:extLst>
+              <a:ext uri="{FF2B5EF4-FFF2-40B4-BE49-F238E27FC236}">
+                <a16:creationId xmlns:a16="http://schemas.microsoft.com/office/drawing/2014/main" id="{EF92F5DB-5756-2422-97E7-B4A3F2FF39F0}"/>
+              </a:ext>
+            </a:extLst>
+          </p:cNvPr>
+          <p:cNvSpPr>
+            <a:spLocks noGrp="1"/>
+          </p:cNvSpPr>
+          <p:nvPr>
+            <p:ph sz="half" idx="1"/>
           </p:nvPr>
         </p:nvSpPr>
         <p:spPr>
           <a:xfrm>
-            <a:off x="831850" y="2709644"/>
-            <a:ext cx="10515600" cy="1426128"/>
+            <a:off x="838200" y="1825625"/>
+            <a:ext cx="5181600" cy="4351338"/>
           </a:xfrm>
         </p:spPr>
         <p:txBody>
-          <a:bodyPr anchor="ctr">
-            <a:normAutofit/>
-          </a:bodyPr>
-          <a:lstStyle>
-            <a:lvl1pPr algn="ctr">
-              <a:defRPr sz="4400" b="1">
-                <a:solidFill>
-                  <a:schemeClr val="bg1"/>
-                </a:solidFill>
-              </a:defRPr>
-            </a:lvl1pPr>
-          </a:lstStyle>
-          <a:p>
-            <a:r>
-              <a:rPr kumimoji="1" lang="ja-JP" altLang="en-US"/>
-              <a:t>マスター タイトルの書式設定</a:t>
-            </a:r>
-          </a:p>
-        </p:txBody>
-      </p:sp>
-      <p:sp>
-        <p:nvSpPr>
-          <p:cNvPr id="4" name="日付プレースホルダー 3">
-            <a:extLst>
-              <a:ext uri="{FF2B5EF4-FFF2-40B4-BE49-F238E27FC236}">
-                <a16:creationId xmlns:a16="http://schemas.microsoft.com/office/drawing/2014/main" id="{B510820B-16C5-2AF8-105C-BE6679099364}"/>
+          <a:bodyPr/>
+          <a:lstStyle/>
+          <a:p>
+            <a:pPr lvl="0"/>
+            <a:r>
+              <a:rPr kumimoji="1" lang="ja-JP" altLang="en-US"/>
+              <a:t>マスター テキストの書式設定</a:t>
+            </a:r>
+          </a:p>
+          <a:p>
+            <a:pPr lvl="1"/>
+            <a:r>
+              <a:rPr kumimoji="1" lang="ja-JP" altLang="en-US"/>
+              <a:t>第 </a:t>
+            </a:r>
+            <a:r>
+              <a:rPr kumimoji="1" lang="en-US" altLang="ja-JP"/>
+              <a:t>2 </a:t>
+            </a:r>
+            <a:r>
+              <a:rPr kumimoji="1" lang="ja-JP" altLang="en-US"/>
+              <a:t>レベル</a:t>
+            </a:r>
+          </a:p>
+          <a:p>
+            <a:pPr lvl="2"/>
+            <a:r>
+              <a:rPr kumimoji="1" lang="ja-JP" altLang="en-US"/>
+              <a:t>第 </a:t>
+            </a:r>
+            <a:r>
+              <a:rPr kumimoji="1" lang="en-US" altLang="ja-JP"/>
+              <a:t>3 </a:t>
+            </a:r>
+            <a:r>
+              <a:rPr kumimoji="1" lang="ja-JP" altLang="en-US"/>
+              <a:t>レベル</a:t>
+            </a:r>
+          </a:p>
+          <a:p>
+            <a:pPr lvl="3"/>
+            <a:r>
+              <a:rPr kumimoji="1" lang="ja-JP" altLang="en-US"/>
+              <a:t>第 </a:t>
+            </a:r>
+            <a:r>
+              <a:rPr kumimoji="1" lang="en-US" altLang="ja-JP"/>
+              <a:t>4 </a:t>
+            </a:r>
+            <a:r>
+              <a:rPr kumimoji="1" lang="ja-JP" altLang="en-US"/>
+              <a:t>レベル</a:t>
+            </a:r>
+          </a:p>
+          <a:p>
+            <a:pPr lvl="4"/>
+            <a:r>
+              <a:rPr kumimoji="1" lang="ja-JP" altLang="en-US"/>
+              <a:t>第 </a:t>
+            </a:r>
+            <a:r>
+              <a:rPr kumimoji="1" lang="en-US" altLang="ja-JP"/>
+              <a:t>5 </a:t>
+            </a:r>
+            <a:r>
+              <a:rPr kumimoji="1" lang="ja-JP" altLang="en-US"/>
+              <a:t>レベル</a:t>
+            </a:r>
+          </a:p>
+        </p:txBody>
+      </p:sp>
+      <p:sp>
+        <p:nvSpPr>
+          <p:cNvPr id="4" name="コンテンツ プレースホルダー 3">
+            <a:extLst>
+              <a:ext uri="{FF2B5EF4-FFF2-40B4-BE49-F238E27FC236}">
+                <a16:creationId xmlns:a16="http://schemas.microsoft.com/office/drawing/2014/main" id="{A1D7B6C9-8F61-8478-DF4A-4D7691179A48}"/>
+              </a:ext>
+            </a:extLst>
+          </p:cNvPr>
+          <p:cNvSpPr>
+            <a:spLocks noGrp="1"/>
+          </p:cNvSpPr>
+          <p:nvPr>
+            <p:ph sz="half" idx="2"/>
+          </p:nvPr>
+        </p:nvSpPr>
+        <p:spPr>
+          <a:xfrm>
+            <a:off x="6172200" y="1825625"/>
+            <a:ext cx="5181600" cy="4351338"/>
+          </a:xfrm>
+        </p:spPr>
+        <p:txBody>
+          <a:bodyPr/>
+          <a:lstStyle/>
+          <a:p>
+            <a:pPr lvl="0"/>
+            <a:r>
+              <a:rPr kumimoji="1" lang="ja-JP" altLang="en-US"/>
+              <a:t>マスター テキストの書式設定</a:t>
+            </a:r>
+          </a:p>
+          <a:p>
+            <a:pPr lvl="1"/>
+            <a:r>
+              <a:rPr kumimoji="1" lang="ja-JP" altLang="en-US"/>
+              <a:t>第 </a:t>
+            </a:r>
+            <a:r>
+              <a:rPr kumimoji="1" lang="en-US" altLang="ja-JP"/>
+              <a:t>2 </a:t>
+            </a:r>
+            <a:r>
+              <a:rPr kumimoji="1" lang="ja-JP" altLang="en-US"/>
+              <a:t>レベル</a:t>
+            </a:r>
+          </a:p>
+          <a:p>
+            <a:pPr lvl="2"/>
+            <a:r>
+              <a:rPr kumimoji="1" lang="ja-JP" altLang="en-US"/>
+              <a:t>第 </a:t>
+            </a:r>
+            <a:r>
+              <a:rPr kumimoji="1" lang="en-US" altLang="ja-JP"/>
+              <a:t>3 </a:t>
+            </a:r>
+            <a:r>
+              <a:rPr kumimoji="1" lang="ja-JP" altLang="en-US"/>
+              <a:t>レベル</a:t>
+            </a:r>
+          </a:p>
+          <a:p>
+            <a:pPr lvl="3"/>
+            <a:r>
+              <a:rPr kumimoji="1" lang="ja-JP" altLang="en-US"/>
+              <a:t>第 </a:t>
+            </a:r>
+            <a:r>
+              <a:rPr kumimoji="1" lang="en-US" altLang="ja-JP"/>
+              <a:t>4 </a:t>
+            </a:r>
+            <a:r>
+              <a:rPr kumimoji="1" lang="ja-JP" altLang="en-US"/>
+              <a:t>レベル</a:t>
+            </a:r>
+          </a:p>
+          <a:p>
+            <a:pPr lvl="4"/>
+            <a:r>
+              <a:rPr kumimoji="1" lang="ja-JP" altLang="en-US"/>
+              <a:t>第 </a:t>
+            </a:r>
+            <a:r>
+              <a:rPr kumimoji="1" lang="en-US" altLang="ja-JP"/>
+              <a:t>5 </a:t>
+            </a:r>
+            <a:r>
+              <a:rPr kumimoji="1" lang="ja-JP" altLang="en-US"/>
+              <a:t>レベル</a:t>
+            </a:r>
+          </a:p>
+        </p:txBody>
+      </p:sp>
+      <p:sp>
+        <p:nvSpPr>
+          <p:cNvPr id="5" name="日付プレースホルダー 4">
+            <a:extLst>
+              <a:ext uri="{FF2B5EF4-FFF2-40B4-BE49-F238E27FC236}">
+                <a16:creationId xmlns:a16="http://schemas.microsoft.com/office/drawing/2014/main" id="{EB38355E-0DB8-5563-E25B-2D8FD5BD6E96}"/>
               </a:ext>
             </a:extLst>
           </p:cNvPr>
@@ -1083,31 +1284,22 @@
         <p:spPr/>
         <p:txBody>
           <a:bodyPr/>
-          <a:lstStyle>
-            <a:lvl1pPr>
-              <a:defRPr>
-                <a:solidFill>
-                  <a:schemeClr val="bg1"/>
-                </a:solidFill>
-              </a:defRPr>
-            </a:lvl1pPr>
-          </a:lstStyle>
-          <a:p>
-            <a:fld id="{15384FC0-2EDF-4BC9-8FC0-5261E4DBE54F}" type="datetimeFigureOut">
-              <a:rPr lang="ja-JP" altLang="en-US" smtClean="0"/>
-              <a:pPr/>
-              <a:t>2022/7/29</a:t>
+          <a:lstStyle/>
+          <a:p>
+            <a:fld id="{6FBA05E1-F90D-47A7-9C38-48C12A02DC0E}" type="datetimeFigureOut">
+              <a:rPr kumimoji="1" lang="ja-JP" altLang="en-US" smtClean="0"/>
+              <a:t>2022/10/14</a:t>
             </a:fld>
-            <a:endParaRPr lang="ja-JP" altLang="en-US"/>
-          </a:p>
-        </p:txBody>
-      </p:sp>
-      <p:sp>
-        <p:nvSpPr>
-          <p:cNvPr id="5" name="フッター プレースホルダー 4">
-            <a:extLst>
-              <a:ext uri="{FF2B5EF4-FFF2-40B4-BE49-F238E27FC236}">
-                <a16:creationId xmlns:a16="http://schemas.microsoft.com/office/drawing/2014/main" id="{E79FDA69-EF90-6F4B-67D6-13167B798370}"/>
+            <a:endParaRPr kumimoji="1" lang="ja-JP" altLang="en-US"/>
+          </a:p>
+        </p:txBody>
+      </p:sp>
+      <p:sp>
+        <p:nvSpPr>
+          <p:cNvPr id="6" name="フッター プレースホルダー 5">
+            <a:extLst>
+              <a:ext uri="{FF2B5EF4-FFF2-40B4-BE49-F238E27FC236}">
+                <a16:creationId xmlns:a16="http://schemas.microsoft.com/office/drawing/2014/main" id="{41D49DFD-853C-7A08-0043-E84EA39C8F4B}"/>
               </a:ext>
             </a:extLst>
           </p:cNvPr>
@@ -1121,26 +1313,18 @@
         <p:spPr/>
         <p:txBody>
           <a:bodyPr/>
-          <a:lstStyle>
-            <a:lvl1pPr>
-              <a:defRPr>
-                <a:solidFill>
-                  <a:schemeClr val="bg1"/>
-                </a:solidFill>
-              </a:defRPr>
-            </a:lvl1pPr>
-          </a:lstStyle>
-          <a:p>
-            <a:endParaRPr lang="ja-JP" altLang="en-US" dirty="0"/>
-          </a:p>
-        </p:txBody>
-      </p:sp>
-      <p:sp>
-        <p:nvSpPr>
-          <p:cNvPr id="6" name="スライド番号プレースホルダー 5">
-            <a:extLst>
-              <a:ext uri="{FF2B5EF4-FFF2-40B4-BE49-F238E27FC236}">
-                <a16:creationId xmlns:a16="http://schemas.microsoft.com/office/drawing/2014/main" id="{2B8C967B-5B74-824E-8246-017D99A8C88F}"/>
+          <a:lstStyle/>
+          <a:p>
+            <a:endParaRPr kumimoji="1" lang="ja-JP" altLang="en-US"/>
+          </a:p>
+        </p:txBody>
+      </p:sp>
+      <p:sp>
+        <p:nvSpPr>
+          <p:cNvPr id="7" name="スライド番号プレースホルダー 6">
+            <a:extLst>
+              <a:ext uri="{FF2B5EF4-FFF2-40B4-BE49-F238E27FC236}">
+                <a16:creationId xmlns:a16="http://schemas.microsoft.com/office/drawing/2014/main" id="{C01EA2B6-960E-FBDE-8837-620F038D9C70}"/>
               </a:ext>
             </a:extLst>
           </p:cNvPr>
@@ -1154,115 +1338,20 @@
         <p:spPr/>
         <p:txBody>
           <a:bodyPr/>
-          <a:lstStyle>
-            <a:lvl1pPr>
-              <a:defRPr>
-                <a:solidFill>
-                  <a:schemeClr val="bg1"/>
-                </a:solidFill>
-              </a:defRPr>
-            </a:lvl1pPr>
-          </a:lstStyle>
-          <a:p>
-            <a:fld id="{CB495C2B-378B-40B4-A5AF-16313FEB7814}" type="slidenum">
-              <a:rPr lang="ja-JP" altLang="en-US" smtClean="0"/>
-              <a:pPr/>
+          <a:lstStyle/>
+          <a:p>
+            <a:fld id="{7A827162-0854-4B62-AA52-029F76B2191C}" type="slidenum">
+              <a:rPr kumimoji="1" lang="ja-JP" altLang="en-US" smtClean="0"/>
               <a:t>‹#›</a:t>
             </a:fld>
-            <a:endParaRPr lang="ja-JP" altLang="en-US"/>
-          </a:p>
-        </p:txBody>
-      </p:sp>
-      <p:cxnSp>
-        <p:nvCxnSpPr>
-          <p:cNvPr id="7" name="直線コネクタ 6">
-            <a:extLst>
-              <a:ext uri="{FF2B5EF4-FFF2-40B4-BE49-F238E27FC236}">
-                <a16:creationId xmlns:a16="http://schemas.microsoft.com/office/drawing/2014/main" id="{E5BBE5BE-1C31-863E-1335-6D11BC4AE8A0}"/>
-              </a:ext>
-            </a:extLst>
-          </p:cNvPr>
-          <p:cNvCxnSpPr>
-            <a:cxnSpLocks/>
-          </p:cNvCxnSpPr>
-          <p:nvPr userDrawn="1"/>
-        </p:nvCxnSpPr>
-        <p:spPr>
-          <a:xfrm>
-            <a:off x="332763" y="4150394"/>
-            <a:ext cx="11526473" cy="0"/>
-          </a:xfrm>
-          <a:prstGeom prst="line">
-            <a:avLst/>
-          </a:prstGeom>
-          <a:ln w="28575">
-            <a:solidFill>
-              <a:schemeClr val="bg1"/>
-            </a:solidFill>
-          </a:ln>
-        </p:spPr>
-        <p:style>
-          <a:lnRef idx="1">
-            <a:schemeClr val="accent1"/>
-          </a:lnRef>
-          <a:fillRef idx="0">
-            <a:schemeClr val="accent1"/>
-          </a:fillRef>
-          <a:effectRef idx="0">
-            <a:schemeClr val="accent1"/>
-          </a:effectRef>
-          <a:fontRef idx="minor">
-            <a:schemeClr val="tx1"/>
-          </a:fontRef>
-        </p:style>
-      </p:cxnSp>
-      <p:cxnSp>
-        <p:nvCxnSpPr>
-          <p:cNvPr id="8" name="直線コネクタ 7">
-            <a:extLst>
-              <a:ext uri="{FF2B5EF4-FFF2-40B4-BE49-F238E27FC236}">
-                <a16:creationId xmlns:a16="http://schemas.microsoft.com/office/drawing/2014/main" id="{7D423B93-0251-05E5-E92D-179D449343D8}"/>
-              </a:ext>
-            </a:extLst>
-          </p:cNvPr>
-          <p:cNvCxnSpPr>
-            <a:cxnSpLocks/>
-          </p:cNvCxnSpPr>
-          <p:nvPr userDrawn="1"/>
-        </p:nvCxnSpPr>
-        <p:spPr>
-          <a:xfrm>
-            <a:off x="332763" y="2709644"/>
-            <a:ext cx="11526473" cy="0"/>
-          </a:xfrm>
-          <a:prstGeom prst="line">
-            <a:avLst/>
-          </a:prstGeom>
-          <a:ln w="28575">
-            <a:solidFill>
-              <a:schemeClr val="bg1"/>
-            </a:solidFill>
-          </a:ln>
-        </p:spPr>
-        <p:style>
-          <a:lnRef idx="1">
-            <a:schemeClr val="accent1"/>
-          </a:lnRef>
-          <a:fillRef idx="0">
-            <a:schemeClr val="accent1"/>
-          </a:fillRef>
-          <a:effectRef idx="0">
-            <a:schemeClr val="accent1"/>
-          </a:effectRef>
-          <a:fontRef idx="minor">
-            <a:schemeClr val="tx1"/>
-          </a:fontRef>
-        </p:style>
-      </p:cxnSp>
+            <a:endParaRPr kumimoji="1" lang="ja-JP" altLang="en-US"/>
+          </a:p>
+        </p:txBody>
+      </p:sp>
     </p:spTree>
     <p:extLst>
       <p:ext uri="{BB962C8B-B14F-4D97-AF65-F5344CB8AC3E}">
-        <p14:creationId xmlns:p14="http://schemas.microsoft.com/office/powerpoint/2010/main" val="1591261024"/>
+        <p14:creationId xmlns:p14="http://schemas.microsoft.com/office/powerpoint/2010/main" val="836894263"/>
       </p:ext>
     </p:extLst>
   </p:cSld>
@@ -1272,9 +1361,9 @@
 </p:sldLayout>
 </file>
 
-<file path=ppt/slideLayouts/slideLayout4.xml><?xml version="1.0" encoding="utf-8"?>
+<file path=ppt/slideLayouts/slideLayout5.xml><?xml version="1.0" encoding="utf-8"?>
 <p:sldLayout xmlns:a="http://schemas.openxmlformats.org/drawingml/2006/main" xmlns:r="http://schemas.openxmlformats.org/officeDocument/2006/relationships" xmlns:p="http://schemas.openxmlformats.org/presentationml/2006/main" type="twoTxTwoObj" preserve="1">
-  <p:cSld name="比較">
+  <p:cSld name="Comparison">
     <p:spTree>
       <p:nvGrpSpPr>
         <p:cNvPr id="1" name=""/>
@@ -1675,7 +1764,7 @@
           <a:p>
             <a:fld id="{7C3AC100-4D19-43DA-B4AD-6C479CD3A414}" type="datetimeFigureOut">
               <a:rPr kumimoji="1" lang="ja-JP" altLang="en-US" smtClean="0"/>
-              <a:t>2022/7/29</a:t>
+              <a:t>2022/10/14</a:t>
             </a:fld>
             <a:endParaRPr kumimoji="1" lang="ja-JP" altLang="en-US"/>
           </a:p>
@@ -1748,9 +1837,9 @@
 </p:sldLayout>
 </file>
 
-<file path=ppt/slideLayouts/slideLayout5.xml><?xml version="1.0" encoding="utf-8"?>
+<file path=ppt/slideLayouts/slideLayout6.xml><?xml version="1.0" encoding="utf-8"?>
 <p:sldLayout xmlns:a="http://schemas.openxmlformats.org/drawingml/2006/main" xmlns:r="http://schemas.openxmlformats.org/officeDocument/2006/relationships" xmlns:p="http://schemas.openxmlformats.org/presentationml/2006/main" preserve="1" userDrawn="1">
-  <p:cSld name="1_ユーザー設定レイアウト">
+  <p:cSld name="Content with Caption">
     <p:spTree>
       <p:nvGrpSpPr>
         <p:cNvPr id="1" name=""/>
@@ -1770,7 +1859,7 @@
           <p:cNvPr id="2" name="タイトル 1">
             <a:extLst>
               <a:ext uri="{FF2B5EF4-FFF2-40B4-BE49-F238E27FC236}">
-                <a16:creationId xmlns:a16="http://schemas.microsoft.com/office/drawing/2014/main" id="{BB926C49-5EB7-D08C-59C8-A907EF47E422}"/>
+                <a16:creationId xmlns:a16="http://schemas.microsoft.com/office/drawing/2014/main" id="{824D53B4-0AE9-BFBA-C10C-3C81DC414EED}"/>
               </a:ext>
             </a:extLst>
           </p:cNvPr>
@@ -1781,107 +1870,181 @@
             <p:ph type="title"/>
           </p:nvPr>
         </p:nvSpPr>
-        <p:spPr/>
+        <p:spPr>
+          <a:xfrm>
+            <a:off x="352338" y="436228"/>
+            <a:ext cx="11484528" cy="813732"/>
+          </a:xfrm>
+        </p:spPr>
+        <p:txBody>
+          <a:bodyPr>
+            <a:normAutofit/>
+          </a:bodyPr>
+          <a:lstStyle>
+            <a:lvl1pPr>
+              <a:lnSpc>
+                <a:spcPct val="100000"/>
+              </a:lnSpc>
+              <a:defRPr sz="4000" b="1">
+                <a:solidFill>
+                  <a:srgbClr val="0D2659"/>
+                </a:solidFill>
+              </a:defRPr>
+            </a:lvl1pPr>
+          </a:lstStyle>
+          <a:p>
+            <a:r>
+              <a:rPr kumimoji="1" lang="ja-JP" altLang="en-US" dirty="0"/>
+              <a:t>マスター タイトルの書式設定</a:t>
+            </a:r>
+          </a:p>
+        </p:txBody>
+      </p:sp>
+      <p:sp>
+        <p:nvSpPr>
+          <p:cNvPr id="4" name="日付プレースホルダー 3">
+            <a:extLst>
+              <a:ext uri="{FF2B5EF4-FFF2-40B4-BE49-F238E27FC236}">
+                <a16:creationId xmlns:a16="http://schemas.microsoft.com/office/drawing/2014/main" id="{E8D2FBDF-4DAA-C70A-8E68-0F4B01FFC6D4}"/>
+              </a:ext>
+            </a:extLst>
+          </p:cNvPr>
+          <p:cNvSpPr>
+            <a:spLocks noGrp="1"/>
+          </p:cNvSpPr>
+          <p:nvPr>
+            <p:ph type="dt" sz="half" idx="10"/>
+          </p:nvPr>
+        </p:nvSpPr>
+        <p:spPr>
+          <a:xfrm>
+            <a:off x="355135" y="6366630"/>
+            <a:ext cx="2743200" cy="365125"/>
+          </a:xfrm>
+        </p:spPr>
         <p:txBody>
           <a:bodyPr/>
           <a:lstStyle/>
           <a:p>
-            <a:r>
-              <a:rPr kumimoji="1" lang="ja-JP" altLang="en-US"/>
-              <a:t>マスター タイトルの書式設定</a:t>
-            </a:r>
-          </a:p>
-        </p:txBody>
-      </p:sp>
-      <p:sp>
-        <p:nvSpPr>
-          <p:cNvPr id="3" name="日付プレースホルダー 2">
-            <a:extLst>
-              <a:ext uri="{FF2B5EF4-FFF2-40B4-BE49-F238E27FC236}">
-                <a16:creationId xmlns:a16="http://schemas.microsoft.com/office/drawing/2014/main" id="{48B95C5F-DF0A-FFAF-7F0B-CA156A03AD6F}"/>
-              </a:ext>
-            </a:extLst>
-          </p:cNvPr>
-          <p:cNvSpPr>
-            <a:spLocks noGrp="1"/>
-          </p:cNvSpPr>
-          <p:nvPr>
-            <p:ph type="dt" sz="half" idx="10"/>
-          </p:nvPr>
-        </p:nvSpPr>
-        <p:spPr/>
+            <a:fld id="{15384FC0-2EDF-4BC9-8FC0-5261E4DBE54F}" type="datetimeFigureOut">
+              <a:rPr kumimoji="1" lang="ja-JP" altLang="en-US" smtClean="0"/>
+              <a:t>2022/10/14</a:t>
+            </a:fld>
+            <a:endParaRPr kumimoji="1" lang="ja-JP" altLang="en-US"/>
+          </a:p>
+        </p:txBody>
+      </p:sp>
+      <p:sp>
+        <p:nvSpPr>
+          <p:cNvPr id="5" name="フッター プレースホルダー 4">
+            <a:extLst>
+              <a:ext uri="{FF2B5EF4-FFF2-40B4-BE49-F238E27FC236}">
+                <a16:creationId xmlns:a16="http://schemas.microsoft.com/office/drawing/2014/main" id="{0AA15077-0A84-494F-9E5E-7F76A6F48A70}"/>
+              </a:ext>
+            </a:extLst>
+          </p:cNvPr>
+          <p:cNvSpPr>
+            <a:spLocks noGrp="1"/>
+          </p:cNvSpPr>
+          <p:nvPr>
+            <p:ph type="ftr" sz="quarter" idx="11"/>
+          </p:nvPr>
+        </p:nvSpPr>
+        <p:spPr>
+          <a:xfrm>
+            <a:off x="4038600" y="6366630"/>
+            <a:ext cx="4114800" cy="365125"/>
+          </a:xfrm>
+        </p:spPr>
         <p:txBody>
           <a:bodyPr/>
           <a:lstStyle/>
           <a:p>
-            <a:fld id="{15384FC0-2EDF-4BC9-8FC0-5261E4DBE54F}" type="datetimeFigureOut">
-              <a:rPr lang="ja-JP" altLang="en-US" smtClean="0"/>
-              <a:pPr/>
-              <a:t>2022/7/29</a:t>
-            </a:fld>
-            <a:endParaRPr lang="ja-JP" altLang="en-US"/>
-          </a:p>
-        </p:txBody>
-      </p:sp>
-      <p:sp>
-        <p:nvSpPr>
-          <p:cNvPr id="4" name="フッター プレースホルダー 3">
-            <a:extLst>
-              <a:ext uri="{FF2B5EF4-FFF2-40B4-BE49-F238E27FC236}">
-                <a16:creationId xmlns:a16="http://schemas.microsoft.com/office/drawing/2014/main" id="{D1C0BA24-1F63-7BF7-F0F5-2C507F0A9849}"/>
-              </a:ext>
-            </a:extLst>
-          </p:cNvPr>
-          <p:cNvSpPr>
-            <a:spLocks noGrp="1"/>
-          </p:cNvSpPr>
-          <p:nvPr>
-            <p:ph type="ftr" sz="quarter" idx="11"/>
-          </p:nvPr>
-        </p:nvSpPr>
-        <p:spPr/>
+            <a:endParaRPr kumimoji="1" lang="ja-JP" altLang="en-US" dirty="0"/>
+          </a:p>
+        </p:txBody>
+      </p:sp>
+      <p:sp>
+        <p:nvSpPr>
+          <p:cNvPr id="6" name="スライド番号プレースホルダー 5">
+            <a:extLst>
+              <a:ext uri="{FF2B5EF4-FFF2-40B4-BE49-F238E27FC236}">
+                <a16:creationId xmlns:a16="http://schemas.microsoft.com/office/drawing/2014/main" id="{F39A3590-2E60-63CB-2E7E-EE676A650478}"/>
+              </a:ext>
+            </a:extLst>
+          </p:cNvPr>
+          <p:cNvSpPr>
+            <a:spLocks noGrp="1"/>
+          </p:cNvSpPr>
+          <p:nvPr>
+            <p:ph type="sldNum" sz="quarter" idx="12"/>
+          </p:nvPr>
+        </p:nvSpPr>
+        <p:spPr>
+          <a:xfrm>
+            <a:off x="9093666" y="6356349"/>
+            <a:ext cx="2743200" cy="365125"/>
+          </a:xfrm>
+        </p:spPr>
         <p:txBody>
           <a:bodyPr/>
           <a:lstStyle/>
           <a:p>
-            <a:endParaRPr lang="ja-JP" altLang="en-US"/>
-          </a:p>
-        </p:txBody>
-      </p:sp>
-      <p:sp>
-        <p:nvSpPr>
-          <p:cNvPr id="5" name="スライド番号プレースホルダー 4">
-            <a:extLst>
-              <a:ext uri="{FF2B5EF4-FFF2-40B4-BE49-F238E27FC236}">
-                <a16:creationId xmlns:a16="http://schemas.microsoft.com/office/drawing/2014/main" id="{4974162A-ACB1-4574-8394-EC74309C78B7}"/>
-              </a:ext>
-            </a:extLst>
-          </p:cNvPr>
-          <p:cNvSpPr>
-            <a:spLocks noGrp="1"/>
-          </p:cNvSpPr>
-          <p:nvPr>
-            <p:ph type="sldNum" sz="quarter" idx="12"/>
-          </p:nvPr>
-        </p:nvSpPr>
-        <p:spPr/>
-        <p:txBody>
-          <a:bodyPr/>
-          <a:lstStyle/>
-          <a:p>
             <a:fld id="{CB495C2B-378B-40B4-A5AF-16313FEB7814}" type="slidenum">
-              <a:rPr lang="ja-JP" altLang="en-US" smtClean="0"/>
-              <a:pPr/>
+              <a:rPr kumimoji="1" lang="ja-JP" altLang="en-US" smtClean="0"/>
               <a:t>‹#›</a:t>
             </a:fld>
-            <a:endParaRPr lang="ja-JP" altLang="en-US"/>
-          </a:p>
-        </p:txBody>
-      </p:sp>
+            <a:endParaRPr kumimoji="1" lang="ja-JP" altLang="en-US"/>
+          </a:p>
+        </p:txBody>
+      </p:sp>
+      <p:cxnSp>
+        <p:nvCxnSpPr>
+          <p:cNvPr id="7" name="直線コネクタ 6">
+            <a:extLst>
+              <a:ext uri="{FF2B5EF4-FFF2-40B4-BE49-F238E27FC236}">
+                <a16:creationId xmlns:a16="http://schemas.microsoft.com/office/drawing/2014/main" id="{636A2993-87F2-8D0D-2BD3-035DAFB761D0}"/>
+              </a:ext>
+            </a:extLst>
+          </p:cNvPr>
+          <p:cNvCxnSpPr>
+            <a:cxnSpLocks/>
+          </p:cNvCxnSpPr>
+          <p:nvPr userDrawn="1"/>
+        </p:nvCxnSpPr>
+        <p:spPr>
+          <a:xfrm>
+            <a:off x="332763" y="1256252"/>
+            <a:ext cx="11526473" cy="0"/>
+          </a:xfrm>
+          <a:prstGeom prst="line">
+            <a:avLst/>
+          </a:prstGeom>
+          <a:ln w="28575">
+            <a:solidFill>
+              <a:srgbClr val="0D2659"/>
+            </a:solidFill>
+          </a:ln>
+        </p:spPr>
+        <p:style>
+          <a:lnRef idx="1">
+            <a:schemeClr val="accent1"/>
+          </a:lnRef>
+          <a:fillRef idx="0">
+            <a:schemeClr val="accent1"/>
+          </a:fillRef>
+          <a:effectRef idx="0">
+            <a:schemeClr val="accent1"/>
+          </a:effectRef>
+          <a:fontRef idx="minor">
+            <a:schemeClr val="tx1"/>
+          </a:fontRef>
+        </p:style>
+      </p:cxnSp>
     </p:spTree>
     <p:extLst>
       <p:ext uri="{BB962C8B-B14F-4D97-AF65-F5344CB8AC3E}">
-        <p14:creationId xmlns:p14="http://schemas.microsoft.com/office/powerpoint/2010/main" val="974984096"/>
+        <p14:creationId xmlns:p14="http://schemas.microsoft.com/office/powerpoint/2010/main" val="3217356893"/>
       </p:ext>
     </p:extLst>
   </p:cSld>
@@ -1891,9 +2054,9 @@
 </p:sldLayout>
 </file>
 
-<file path=ppt/slideLayouts/slideLayout6.xml><?xml version="1.0" encoding="utf-8"?>
+<file path=ppt/slideLayouts/slideLayout7.xml><?xml version="1.0" encoding="utf-8"?>
 <p:sldLayout xmlns:a="http://schemas.openxmlformats.org/drawingml/2006/main" xmlns:r="http://schemas.openxmlformats.org/officeDocument/2006/relationships" xmlns:p="http://schemas.openxmlformats.org/presentationml/2006/main" preserve="1" userDrawn="1">
-  <p:cSld name="ユーザー設定レイアウト">
+  <p:cSld name="Blank">
     <p:spTree>
       <p:nvGrpSpPr>
         <p:cNvPr id="1" name=""/>
@@ -1931,7 +2094,7 @@
           <a:p>
             <a:fld id="{15384FC0-2EDF-4BC9-8FC0-5261E4DBE54F}" type="datetimeFigureOut">
               <a:rPr kumimoji="1" lang="ja-JP" altLang="en-US" smtClean="0"/>
-              <a:t>2022/7/29</a:t>
+              <a:t>2022/10/14</a:t>
             </a:fld>
             <a:endParaRPr kumimoji="1" lang="ja-JP" altLang="en-US"/>
           </a:p>
@@ -1995,867 +2158,6 @@
     <p:extLst>
       <p:ext uri="{BB962C8B-B14F-4D97-AF65-F5344CB8AC3E}">
         <p14:creationId xmlns:p14="http://schemas.microsoft.com/office/powerpoint/2010/main" val="3057693587"/>
-      </p:ext>
-    </p:extLst>
-  </p:cSld>
-  <p:clrMapOvr>
-    <a:masterClrMapping/>
-  </p:clrMapOvr>
-</p:sldLayout>
-</file>
-
-<file path=ppt/slideLayouts/slideLayout7.xml><?xml version="1.0" encoding="utf-8"?>
-<p:sldLayout xmlns:a="http://schemas.openxmlformats.org/drawingml/2006/main" xmlns:r="http://schemas.openxmlformats.org/officeDocument/2006/relationships" xmlns:p="http://schemas.openxmlformats.org/presentationml/2006/main" type="objTx" preserve="1">
-  <p:cSld name="タイトル付きのコンテンツ">
-    <p:spTree>
-      <p:nvGrpSpPr>
-        <p:cNvPr id="1" name=""/>
-        <p:cNvGrpSpPr/>
-        <p:nvPr/>
-      </p:nvGrpSpPr>
-      <p:grpSpPr>
-        <a:xfrm>
-          <a:off x="0" y="0"/>
-          <a:ext cx="0" cy="0"/>
-          <a:chOff x="0" y="0"/>
-          <a:chExt cx="0" cy="0"/>
-        </a:xfrm>
-      </p:grpSpPr>
-      <p:sp>
-        <p:nvSpPr>
-          <p:cNvPr id="2" name="タイトル 1">
-            <a:extLst>
-              <a:ext uri="{FF2B5EF4-FFF2-40B4-BE49-F238E27FC236}">
-                <a16:creationId xmlns:a16="http://schemas.microsoft.com/office/drawing/2014/main" id="{A10A0BFF-C8A1-7707-7BFA-A36FA5D37570}"/>
-              </a:ext>
-            </a:extLst>
-          </p:cNvPr>
-          <p:cNvSpPr>
-            <a:spLocks noGrp="1"/>
-          </p:cNvSpPr>
-          <p:nvPr>
-            <p:ph type="title"/>
-          </p:nvPr>
-        </p:nvSpPr>
-        <p:spPr>
-          <a:xfrm>
-            <a:off x="839788" y="457200"/>
-            <a:ext cx="3932237" cy="1600200"/>
-          </a:xfrm>
-        </p:spPr>
-        <p:txBody>
-          <a:bodyPr anchor="b"/>
-          <a:lstStyle>
-            <a:lvl1pPr>
-              <a:defRPr sz="3200"/>
-            </a:lvl1pPr>
-          </a:lstStyle>
-          <a:p>
-            <a:r>
-              <a:rPr kumimoji="1" lang="ja-JP" altLang="en-US"/>
-              <a:t>マスター タイトルの書式設定</a:t>
-            </a:r>
-          </a:p>
-        </p:txBody>
-      </p:sp>
-      <p:sp>
-        <p:nvSpPr>
-          <p:cNvPr id="3" name="コンテンツ プレースホルダー 2">
-            <a:extLst>
-              <a:ext uri="{FF2B5EF4-FFF2-40B4-BE49-F238E27FC236}">
-                <a16:creationId xmlns:a16="http://schemas.microsoft.com/office/drawing/2014/main" id="{5FAF822D-1DB3-8AFD-4329-4A8CEE2F47E3}"/>
-              </a:ext>
-            </a:extLst>
-          </p:cNvPr>
-          <p:cNvSpPr>
-            <a:spLocks noGrp="1"/>
-          </p:cNvSpPr>
-          <p:nvPr>
-            <p:ph idx="1"/>
-          </p:nvPr>
-        </p:nvSpPr>
-        <p:spPr>
-          <a:xfrm>
-            <a:off x="5183188" y="987425"/>
-            <a:ext cx="6172200" cy="4873625"/>
-          </a:xfrm>
-        </p:spPr>
-        <p:txBody>
-          <a:bodyPr/>
-          <a:lstStyle>
-            <a:lvl1pPr>
-              <a:defRPr sz="3200"/>
-            </a:lvl1pPr>
-            <a:lvl2pPr>
-              <a:defRPr sz="2800"/>
-            </a:lvl2pPr>
-            <a:lvl3pPr>
-              <a:defRPr sz="2400"/>
-            </a:lvl3pPr>
-            <a:lvl4pPr>
-              <a:defRPr sz="2000"/>
-            </a:lvl4pPr>
-            <a:lvl5pPr>
-              <a:defRPr sz="2000"/>
-            </a:lvl5pPr>
-            <a:lvl6pPr>
-              <a:defRPr sz="2000"/>
-            </a:lvl6pPr>
-            <a:lvl7pPr>
-              <a:defRPr sz="2000"/>
-            </a:lvl7pPr>
-            <a:lvl8pPr>
-              <a:defRPr sz="2000"/>
-            </a:lvl8pPr>
-            <a:lvl9pPr>
-              <a:defRPr sz="2000"/>
-            </a:lvl9pPr>
-          </a:lstStyle>
-          <a:p>
-            <a:pPr lvl="0"/>
-            <a:r>
-              <a:rPr kumimoji="1" lang="ja-JP" altLang="en-US"/>
-              <a:t>マスター テキストの書式設定</a:t>
-            </a:r>
-          </a:p>
-          <a:p>
-            <a:pPr lvl="1"/>
-            <a:r>
-              <a:rPr kumimoji="1" lang="ja-JP" altLang="en-US"/>
-              <a:t>第 </a:t>
-            </a:r>
-            <a:r>
-              <a:rPr kumimoji="1" lang="en-US" altLang="ja-JP"/>
-              <a:t>2 </a:t>
-            </a:r>
-            <a:r>
-              <a:rPr kumimoji="1" lang="ja-JP" altLang="en-US"/>
-              <a:t>レベル</a:t>
-            </a:r>
-          </a:p>
-          <a:p>
-            <a:pPr lvl="2"/>
-            <a:r>
-              <a:rPr kumimoji="1" lang="ja-JP" altLang="en-US"/>
-              <a:t>第 </a:t>
-            </a:r>
-            <a:r>
-              <a:rPr kumimoji="1" lang="en-US" altLang="ja-JP"/>
-              <a:t>3 </a:t>
-            </a:r>
-            <a:r>
-              <a:rPr kumimoji="1" lang="ja-JP" altLang="en-US"/>
-              <a:t>レベル</a:t>
-            </a:r>
-          </a:p>
-          <a:p>
-            <a:pPr lvl="3"/>
-            <a:r>
-              <a:rPr kumimoji="1" lang="ja-JP" altLang="en-US"/>
-              <a:t>第 </a:t>
-            </a:r>
-            <a:r>
-              <a:rPr kumimoji="1" lang="en-US" altLang="ja-JP"/>
-              <a:t>4 </a:t>
-            </a:r>
-            <a:r>
-              <a:rPr kumimoji="1" lang="ja-JP" altLang="en-US"/>
-              <a:t>レベル</a:t>
-            </a:r>
-          </a:p>
-          <a:p>
-            <a:pPr lvl="4"/>
-            <a:r>
-              <a:rPr kumimoji="1" lang="ja-JP" altLang="en-US"/>
-              <a:t>第 </a:t>
-            </a:r>
-            <a:r>
-              <a:rPr kumimoji="1" lang="en-US" altLang="ja-JP"/>
-              <a:t>5 </a:t>
-            </a:r>
-            <a:r>
-              <a:rPr kumimoji="1" lang="ja-JP" altLang="en-US"/>
-              <a:t>レベル</a:t>
-            </a:r>
-          </a:p>
-        </p:txBody>
-      </p:sp>
-      <p:sp>
-        <p:nvSpPr>
-          <p:cNvPr id="4" name="テキスト プレースホルダー 3">
-            <a:extLst>
-              <a:ext uri="{FF2B5EF4-FFF2-40B4-BE49-F238E27FC236}">
-                <a16:creationId xmlns:a16="http://schemas.microsoft.com/office/drawing/2014/main" id="{F16CF7A3-EB16-A9DF-20F4-CDCBD536A786}"/>
-              </a:ext>
-            </a:extLst>
-          </p:cNvPr>
-          <p:cNvSpPr>
-            <a:spLocks noGrp="1"/>
-          </p:cNvSpPr>
-          <p:nvPr>
-            <p:ph type="body" sz="half" idx="2"/>
-          </p:nvPr>
-        </p:nvSpPr>
-        <p:spPr>
-          <a:xfrm>
-            <a:off x="839788" y="2057400"/>
-            <a:ext cx="3932237" cy="3811588"/>
-          </a:xfrm>
-        </p:spPr>
-        <p:txBody>
-          <a:bodyPr/>
-          <a:lstStyle>
-            <a:lvl1pPr marL="0" indent="0">
-              <a:buNone/>
-              <a:defRPr sz="1600"/>
-            </a:lvl1pPr>
-            <a:lvl2pPr marL="457200" indent="0">
-              <a:buNone/>
-              <a:defRPr sz="1400"/>
-            </a:lvl2pPr>
-            <a:lvl3pPr marL="914400" indent="0">
-              <a:buNone/>
-              <a:defRPr sz="1200"/>
-            </a:lvl3pPr>
-            <a:lvl4pPr marL="1371600" indent="0">
-              <a:buNone/>
-              <a:defRPr sz="1000"/>
-            </a:lvl4pPr>
-            <a:lvl5pPr marL="1828800" indent="0">
-              <a:buNone/>
-              <a:defRPr sz="1000"/>
-            </a:lvl5pPr>
-            <a:lvl6pPr marL="2286000" indent="0">
-              <a:buNone/>
-              <a:defRPr sz="1000"/>
-            </a:lvl6pPr>
-            <a:lvl7pPr marL="2743200" indent="0">
-              <a:buNone/>
-              <a:defRPr sz="1000"/>
-            </a:lvl7pPr>
-            <a:lvl8pPr marL="3200400" indent="0">
-              <a:buNone/>
-              <a:defRPr sz="1000"/>
-            </a:lvl8pPr>
-            <a:lvl9pPr marL="3657600" indent="0">
-              <a:buNone/>
-              <a:defRPr sz="1000"/>
-            </a:lvl9pPr>
-          </a:lstStyle>
-          <a:p>
-            <a:pPr lvl="0"/>
-            <a:r>
-              <a:rPr kumimoji="1" lang="ja-JP" altLang="en-US"/>
-              <a:t>マスター テキストの書式設定</a:t>
-            </a:r>
-          </a:p>
-        </p:txBody>
-      </p:sp>
-      <p:sp>
-        <p:nvSpPr>
-          <p:cNvPr id="5" name="日付プレースホルダー 4">
-            <a:extLst>
-              <a:ext uri="{FF2B5EF4-FFF2-40B4-BE49-F238E27FC236}">
-                <a16:creationId xmlns:a16="http://schemas.microsoft.com/office/drawing/2014/main" id="{6D9195B3-506A-09BA-1D82-7E34FB46D19A}"/>
-              </a:ext>
-            </a:extLst>
-          </p:cNvPr>
-          <p:cNvSpPr>
-            <a:spLocks noGrp="1"/>
-          </p:cNvSpPr>
-          <p:nvPr>
-            <p:ph type="dt" sz="half" idx="10"/>
-          </p:nvPr>
-        </p:nvSpPr>
-        <p:spPr/>
-        <p:txBody>
-          <a:bodyPr/>
-          <a:lstStyle/>
-          <a:p>
-            <a:fld id="{7C3AC100-4D19-43DA-B4AD-6C479CD3A414}" type="datetimeFigureOut">
-              <a:rPr kumimoji="1" lang="ja-JP" altLang="en-US" smtClean="0"/>
-              <a:t>2022/7/29</a:t>
-            </a:fld>
-            <a:endParaRPr kumimoji="1" lang="ja-JP" altLang="en-US"/>
-          </a:p>
-        </p:txBody>
-      </p:sp>
-      <p:sp>
-        <p:nvSpPr>
-          <p:cNvPr id="6" name="フッター プレースホルダー 5">
-            <a:extLst>
-              <a:ext uri="{FF2B5EF4-FFF2-40B4-BE49-F238E27FC236}">
-                <a16:creationId xmlns:a16="http://schemas.microsoft.com/office/drawing/2014/main" id="{E12F7A6D-362D-0B20-5F49-23FAAD402D69}"/>
-              </a:ext>
-            </a:extLst>
-          </p:cNvPr>
-          <p:cNvSpPr>
-            <a:spLocks noGrp="1"/>
-          </p:cNvSpPr>
-          <p:nvPr>
-            <p:ph type="ftr" sz="quarter" idx="11"/>
-          </p:nvPr>
-        </p:nvSpPr>
-        <p:spPr/>
-        <p:txBody>
-          <a:bodyPr/>
-          <a:lstStyle/>
-          <a:p>
-            <a:endParaRPr kumimoji="1" lang="ja-JP" altLang="en-US"/>
-          </a:p>
-        </p:txBody>
-      </p:sp>
-      <p:sp>
-        <p:nvSpPr>
-          <p:cNvPr id="7" name="スライド番号プレースホルダー 6">
-            <a:extLst>
-              <a:ext uri="{FF2B5EF4-FFF2-40B4-BE49-F238E27FC236}">
-                <a16:creationId xmlns:a16="http://schemas.microsoft.com/office/drawing/2014/main" id="{DEF2AF66-3BAC-B2BC-7EF0-79649094E353}"/>
-              </a:ext>
-            </a:extLst>
-          </p:cNvPr>
-          <p:cNvSpPr>
-            <a:spLocks noGrp="1"/>
-          </p:cNvSpPr>
-          <p:nvPr>
-            <p:ph type="sldNum" sz="quarter" idx="12"/>
-          </p:nvPr>
-        </p:nvSpPr>
-        <p:spPr/>
-        <p:txBody>
-          <a:bodyPr/>
-          <a:lstStyle/>
-          <a:p>
-            <a:fld id="{0B3DCFE2-3A20-4423-A50C-7D047414FBD0}" type="slidenum">
-              <a:rPr kumimoji="1" lang="ja-JP" altLang="en-US" smtClean="0"/>
-              <a:t>‹#›</a:t>
-            </a:fld>
-            <a:endParaRPr kumimoji="1" lang="ja-JP" altLang="en-US"/>
-          </a:p>
-        </p:txBody>
-      </p:sp>
-    </p:spTree>
-    <p:extLst>
-      <p:ext uri="{BB962C8B-B14F-4D97-AF65-F5344CB8AC3E}">
-        <p14:creationId xmlns:p14="http://schemas.microsoft.com/office/powerpoint/2010/main" val="952781162"/>
-      </p:ext>
-    </p:extLst>
-  </p:cSld>
-  <p:clrMapOvr>
-    <a:masterClrMapping/>
-  </p:clrMapOvr>
-</p:sldLayout>
-</file>
-
-<file path=ppt/slideLayouts/slideLayout8.xml><?xml version="1.0" encoding="utf-8"?>
-<p:sldLayout xmlns:a="http://schemas.openxmlformats.org/drawingml/2006/main" xmlns:r="http://schemas.openxmlformats.org/officeDocument/2006/relationships" xmlns:p="http://schemas.openxmlformats.org/presentationml/2006/main" type="picTx" preserve="1">
-  <p:cSld name="タイトル付きの図">
-    <p:spTree>
-      <p:nvGrpSpPr>
-        <p:cNvPr id="1" name=""/>
-        <p:cNvGrpSpPr/>
-        <p:nvPr/>
-      </p:nvGrpSpPr>
-      <p:grpSpPr>
-        <a:xfrm>
-          <a:off x="0" y="0"/>
-          <a:ext cx="0" cy="0"/>
-          <a:chOff x="0" y="0"/>
-          <a:chExt cx="0" cy="0"/>
-        </a:xfrm>
-      </p:grpSpPr>
-      <p:sp>
-        <p:nvSpPr>
-          <p:cNvPr id="2" name="タイトル 1">
-            <a:extLst>
-              <a:ext uri="{FF2B5EF4-FFF2-40B4-BE49-F238E27FC236}">
-                <a16:creationId xmlns:a16="http://schemas.microsoft.com/office/drawing/2014/main" id="{7C343FE4-FE8F-C4B5-44B8-62472BBD6B06}"/>
-              </a:ext>
-            </a:extLst>
-          </p:cNvPr>
-          <p:cNvSpPr>
-            <a:spLocks noGrp="1"/>
-          </p:cNvSpPr>
-          <p:nvPr>
-            <p:ph type="title"/>
-          </p:nvPr>
-        </p:nvSpPr>
-        <p:spPr>
-          <a:xfrm>
-            <a:off x="839788" y="457200"/>
-            <a:ext cx="3932237" cy="1600200"/>
-          </a:xfrm>
-        </p:spPr>
-        <p:txBody>
-          <a:bodyPr anchor="b"/>
-          <a:lstStyle>
-            <a:lvl1pPr>
-              <a:defRPr sz="3200"/>
-            </a:lvl1pPr>
-          </a:lstStyle>
-          <a:p>
-            <a:r>
-              <a:rPr kumimoji="1" lang="ja-JP" altLang="en-US"/>
-              <a:t>マスター タイトルの書式設定</a:t>
-            </a:r>
-          </a:p>
-        </p:txBody>
-      </p:sp>
-      <p:sp>
-        <p:nvSpPr>
-          <p:cNvPr id="3" name="図プレースホルダー 2">
-            <a:extLst>
-              <a:ext uri="{FF2B5EF4-FFF2-40B4-BE49-F238E27FC236}">
-                <a16:creationId xmlns:a16="http://schemas.microsoft.com/office/drawing/2014/main" id="{1897BFFF-8721-5B0B-FA64-9E9025CAB708}"/>
-              </a:ext>
-            </a:extLst>
-          </p:cNvPr>
-          <p:cNvSpPr>
-            <a:spLocks noGrp="1"/>
-          </p:cNvSpPr>
-          <p:nvPr>
-            <p:ph type="pic" idx="1"/>
-          </p:nvPr>
-        </p:nvSpPr>
-        <p:spPr>
-          <a:xfrm>
-            <a:off x="5183188" y="987425"/>
-            <a:ext cx="6172200" cy="4873625"/>
-          </a:xfrm>
-        </p:spPr>
-        <p:txBody>
-          <a:bodyPr/>
-          <a:lstStyle>
-            <a:lvl1pPr marL="0" indent="0">
-              <a:buNone/>
-              <a:defRPr sz="3200"/>
-            </a:lvl1pPr>
-            <a:lvl2pPr marL="457200" indent="0">
-              <a:buNone/>
-              <a:defRPr sz="2800"/>
-            </a:lvl2pPr>
-            <a:lvl3pPr marL="914400" indent="0">
-              <a:buNone/>
-              <a:defRPr sz="2400"/>
-            </a:lvl3pPr>
-            <a:lvl4pPr marL="1371600" indent="0">
-              <a:buNone/>
-              <a:defRPr sz="2000"/>
-            </a:lvl4pPr>
-            <a:lvl5pPr marL="1828800" indent="0">
-              <a:buNone/>
-              <a:defRPr sz="2000"/>
-            </a:lvl5pPr>
-            <a:lvl6pPr marL="2286000" indent="0">
-              <a:buNone/>
-              <a:defRPr sz="2000"/>
-            </a:lvl6pPr>
-            <a:lvl7pPr marL="2743200" indent="0">
-              <a:buNone/>
-              <a:defRPr sz="2000"/>
-            </a:lvl7pPr>
-            <a:lvl8pPr marL="3200400" indent="0">
-              <a:buNone/>
-              <a:defRPr sz="2000"/>
-            </a:lvl8pPr>
-            <a:lvl9pPr marL="3657600" indent="0">
-              <a:buNone/>
-              <a:defRPr sz="2000"/>
-            </a:lvl9pPr>
-          </a:lstStyle>
-          <a:p>
-            <a:endParaRPr kumimoji="1" lang="ja-JP" altLang="en-US"/>
-          </a:p>
-        </p:txBody>
-      </p:sp>
-      <p:sp>
-        <p:nvSpPr>
-          <p:cNvPr id="4" name="テキスト プレースホルダー 3">
-            <a:extLst>
-              <a:ext uri="{FF2B5EF4-FFF2-40B4-BE49-F238E27FC236}">
-                <a16:creationId xmlns:a16="http://schemas.microsoft.com/office/drawing/2014/main" id="{BD692D00-A380-A5A7-D6DA-757D7F17EA70}"/>
-              </a:ext>
-            </a:extLst>
-          </p:cNvPr>
-          <p:cNvSpPr>
-            <a:spLocks noGrp="1"/>
-          </p:cNvSpPr>
-          <p:nvPr>
-            <p:ph type="body" sz="half" idx="2"/>
-          </p:nvPr>
-        </p:nvSpPr>
-        <p:spPr>
-          <a:xfrm>
-            <a:off x="839788" y="2057400"/>
-            <a:ext cx="3932237" cy="3811588"/>
-          </a:xfrm>
-        </p:spPr>
-        <p:txBody>
-          <a:bodyPr/>
-          <a:lstStyle>
-            <a:lvl1pPr marL="0" indent="0">
-              <a:buNone/>
-              <a:defRPr sz="1600"/>
-            </a:lvl1pPr>
-            <a:lvl2pPr marL="457200" indent="0">
-              <a:buNone/>
-              <a:defRPr sz="1400"/>
-            </a:lvl2pPr>
-            <a:lvl3pPr marL="914400" indent="0">
-              <a:buNone/>
-              <a:defRPr sz="1200"/>
-            </a:lvl3pPr>
-            <a:lvl4pPr marL="1371600" indent="0">
-              <a:buNone/>
-              <a:defRPr sz="1000"/>
-            </a:lvl4pPr>
-            <a:lvl5pPr marL="1828800" indent="0">
-              <a:buNone/>
-              <a:defRPr sz="1000"/>
-            </a:lvl5pPr>
-            <a:lvl6pPr marL="2286000" indent="0">
-              <a:buNone/>
-              <a:defRPr sz="1000"/>
-            </a:lvl6pPr>
-            <a:lvl7pPr marL="2743200" indent="0">
-              <a:buNone/>
-              <a:defRPr sz="1000"/>
-            </a:lvl7pPr>
-            <a:lvl8pPr marL="3200400" indent="0">
-              <a:buNone/>
-              <a:defRPr sz="1000"/>
-            </a:lvl8pPr>
-            <a:lvl9pPr marL="3657600" indent="0">
-              <a:buNone/>
-              <a:defRPr sz="1000"/>
-            </a:lvl9pPr>
-          </a:lstStyle>
-          <a:p>
-            <a:pPr lvl="0"/>
-            <a:r>
-              <a:rPr kumimoji="1" lang="ja-JP" altLang="en-US"/>
-              <a:t>マスター テキストの書式設定</a:t>
-            </a:r>
-          </a:p>
-        </p:txBody>
-      </p:sp>
-      <p:sp>
-        <p:nvSpPr>
-          <p:cNvPr id="5" name="日付プレースホルダー 4">
-            <a:extLst>
-              <a:ext uri="{FF2B5EF4-FFF2-40B4-BE49-F238E27FC236}">
-                <a16:creationId xmlns:a16="http://schemas.microsoft.com/office/drawing/2014/main" id="{4CED2025-7375-BB0C-4F31-BB5B822EBB6B}"/>
-              </a:ext>
-            </a:extLst>
-          </p:cNvPr>
-          <p:cNvSpPr>
-            <a:spLocks noGrp="1"/>
-          </p:cNvSpPr>
-          <p:nvPr>
-            <p:ph type="dt" sz="half" idx="10"/>
-          </p:nvPr>
-        </p:nvSpPr>
-        <p:spPr/>
-        <p:txBody>
-          <a:bodyPr/>
-          <a:lstStyle/>
-          <a:p>
-            <a:fld id="{7C3AC100-4D19-43DA-B4AD-6C479CD3A414}" type="datetimeFigureOut">
-              <a:rPr kumimoji="1" lang="ja-JP" altLang="en-US" smtClean="0"/>
-              <a:t>2022/7/29</a:t>
-            </a:fld>
-            <a:endParaRPr kumimoji="1" lang="ja-JP" altLang="en-US"/>
-          </a:p>
-        </p:txBody>
-      </p:sp>
-      <p:sp>
-        <p:nvSpPr>
-          <p:cNvPr id="6" name="フッター プレースホルダー 5">
-            <a:extLst>
-              <a:ext uri="{FF2B5EF4-FFF2-40B4-BE49-F238E27FC236}">
-                <a16:creationId xmlns:a16="http://schemas.microsoft.com/office/drawing/2014/main" id="{63BB9FAC-FD32-3603-C211-224BBD073202}"/>
-              </a:ext>
-            </a:extLst>
-          </p:cNvPr>
-          <p:cNvSpPr>
-            <a:spLocks noGrp="1"/>
-          </p:cNvSpPr>
-          <p:nvPr>
-            <p:ph type="ftr" sz="quarter" idx="11"/>
-          </p:nvPr>
-        </p:nvSpPr>
-        <p:spPr/>
-        <p:txBody>
-          <a:bodyPr/>
-          <a:lstStyle/>
-          <a:p>
-            <a:endParaRPr kumimoji="1" lang="ja-JP" altLang="en-US"/>
-          </a:p>
-        </p:txBody>
-      </p:sp>
-      <p:sp>
-        <p:nvSpPr>
-          <p:cNvPr id="7" name="スライド番号プレースホルダー 6">
-            <a:extLst>
-              <a:ext uri="{FF2B5EF4-FFF2-40B4-BE49-F238E27FC236}">
-                <a16:creationId xmlns:a16="http://schemas.microsoft.com/office/drawing/2014/main" id="{700449AC-9257-DAD8-7E27-101D1F86D2EA}"/>
-              </a:ext>
-            </a:extLst>
-          </p:cNvPr>
-          <p:cNvSpPr>
-            <a:spLocks noGrp="1"/>
-          </p:cNvSpPr>
-          <p:nvPr>
-            <p:ph type="sldNum" sz="quarter" idx="12"/>
-          </p:nvPr>
-        </p:nvSpPr>
-        <p:spPr/>
-        <p:txBody>
-          <a:bodyPr/>
-          <a:lstStyle/>
-          <a:p>
-            <a:fld id="{0B3DCFE2-3A20-4423-A50C-7D047414FBD0}" type="slidenum">
-              <a:rPr kumimoji="1" lang="ja-JP" altLang="en-US" smtClean="0"/>
-              <a:t>‹#›</a:t>
-            </a:fld>
-            <a:endParaRPr kumimoji="1" lang="ja-JP" altLang="en-US"/>
-          </a:p>
-        </p:txBody>
-      </p:sp>
-    </p:spTree>
-    <p:extLst>
-      <p:ext uri="{BB962C8B-B14F-4D97-AF65-F5344CB8AC3E}">
-        <p14:creationId xmlns:p14="http://schemas.microsoft.com/office/powerpoint/2010/main" val="4291513006"/>
-      </p:ext>
-    </p:extLst>
-  </p:cSld>
-  <p:clrMapOvr>
-    <a:masterClrMapping/>
-  </p:clrMapOvr>
-</p:sldLayout>
-</file>
-
-<file path=ppt/slideLayouts/slideLayout9.xml><?xml version="1.0" encoding="utf-8"?>
-<p:sldLayout xmlns:a="http://schemas.openxmlformats.org/drawingml/2006/main" xmlns:r="http://schemas.openxmlformats.org/officeDocument/2006/relationships" xmlns:p="http://schemas.openxmlformats.org/presentationml/2006/main" type="vertTx" preserve="1">
-  <p:cSld name="タイトルと縦書きテキスト">
-    <p:spTree>
-      <p:nvGrpSpPr>
-        <p:cNvPr id="1" name=""/>
-        <p:cNvGrpSpPr/>
-        <p:nvPr/>
-      </p:nvGrpSpPr>
-      <p:grpSpPr>
-        <a:xfrm>
-          <a:off x="0" y="0"/>
-          <a:ext cx="0" cy="0"/>
-          <a:chOff x="0" y="0"/>
-          <a:chExt cx="0" cy="0"/>
-        </a:xfrm>
-      </p:grpSpPr>
-      <p:sp>
-        <p:nvSpPr>
-          <p:cNvPr id="2" name="タイトル 1">
-            <a:extLst>
-              <a:ext uri="{FF2B5EF4-FFF2-40B4-BE49-F238E27FC236}">
-                <a16:creationId xmlns:a16="http://schemas.microsoft.com/office/drawing/2014/main" id="{53214F57-B981-982B-70EE-B7D6F090319A}"/>
-              </a:ext>
-            </a:extLst>
-          </p:cNvPr>
-          <p:cNvSpPr>
-            <a:spLocks noGrp="1"/>
-          </p:cNvSpPr>
-          <p:nvPr>
-            <p:ph type="title"/>
-          </p:nvPr>
-        </p:nvSpPr>
-        <p:spPr/>
-        <p:txBody>
-          <a:bodyPr/>
-          <a:lstStyle/>
-          <a:p>
-            <a:r>
-              <a:rPr kumimoji="1" lang="ja-JP" altLang="en-US"/>
-              <a:t>マスター タイトルの書式設定</a:t>
-            </a:r>
-          </a:p>
-        </p:txBody>
-      </p:sp>
-      <p:sp>
-        <p:nvSpPr>
-          <p:cNvPr id="3" name="縦書きテキスト プレースホルダー 2">
-            <a:extLst>
-              <a:ext uri="{FF2B5EF4-FFF2-40B4-BE49-F238E27FC236}">
-                <a16:creationId xmlns:a16="http://schemas.microsoft.com/office/drawing/2014/main" id="{FC3CF6C0-13E2-A035-021E-3B7D27A86829}"/>
-              </a:ext>
-            </a:extLst>
-          </p:cNvPr>
-          <p:cNvSpPr>
-            <a:spLocks noGrp="1"/>
-          </p:cNvSpPr>
-          <p:nvPr>
-            <p:ph type="body" orient="vert" idx="1"/>
-          </p:nvPr>
-        </p:nvSpPr>
-        <p:spPr/>
-        <p:txBody>
-          <a:bodyPr vert="eaVert"/>
-          <a:lstStyle/>
-          <a:p>
-            <a:pPr lvl="0"/>
-            <a:r>
-              <a:rPr kumimoji="1" lang="ja-JP" altLang="en-US"/>
-              <a:t>マスター テキストの書式設定</a:t>
-            </a:r>
-          </a:p>
-          <a:p>
-            <a:pPr lvl="1"/>
-            <a:r>
-              <a:rPr kumimoji="1" lang="ja-JP" altLang="en-US"/>
-              <a:t>第 </a:t>
-            </a:r>
-            <a:r>
-              <a:rPr kumimoji="1" lang="en-US" altLang="ja-JP"/>
-              <a:t>2 </a:t>
-            </a:r>
-            <a:r>
-              <a:rPr kumimoji="1" lang="ja-JP" altLang="en-US"/>
-              <a:t>レベル</a:t>
-            </a:r>
-          </a:p>
-          <a:p>
-            <a:pPr lvl="2"/>
-            <a:r>
-              <a:rPr kumimoji="1" lang="ja-JP" altLang="en-US"/>
-              <a:t>第 </a:t>
-            </a:r>
-            <a:r>
-              <a:rPr kumimoji="1" lang="en-US" altLang="ja-JP"/>
-              <a:t>3 </a:t>
-            </a:r>
-            <a:r>
-              <a:rPr kumimoji="1" lang="ja-JP" altLang="en-US"/>
-              <a:t>レベル</a:t>
-            </a:r>
-          </a:p>
-          <a:p>
-            <a:pPr lvl="3"/>
-            <a:r>
-              <a:rPr kumimoji="1" lang="ja-JP" altLang="en-US"/>
-              <a:t>第 </a:t>
-            </a:r>
-            <a:r>
-              <a:rPr kumimoji="1" lang="en-US" altLang="ja-JP"/>
-              <a:t>4 </a:t>
-            </a:r>
-            <a:r>
-              <a:rPr kumimoji="1" lang="ja-JP" altLang="en-US"/>
-              <a:t>レベル</a:t>
-            </a:r>
-          </a:p>
-          <a:p>
-            <a:pPr lvl="4"/>
-            <a:r>
-              <a:rPr kumimoji="1" lang="ja-JP" altLang="en-US"/>
-              <a:t>第 </a:t>
-            </a:r>
-            <a:r>
-              <a:rPr kumimoji="1" lang="en-US" altLang="ja-JP"/>
-              <a:t>5 </a:t>
-            </a:r>
-            <a:r>
-              <a:rPr kumimoji="1" lang="ja-JP" altLang="en-US"/>
-              <a:t>レベル</a:t>
-            </a:r>
-          </a:p>
-        </p:txBody>
-      </p:sp>
-      <p:sp>
-        <p:nvSpPr>
-          <p:cNvPr id="4" name="日付プレースホルダー 3">
-            <a:extLst>
-              <a:ext uri="{FF2B5EF4-FFF2-40B4-BE49-F238E27FC236}">
-                <a16:creationId xmlns:a16="http://schemas.microsoft.com/office/drawing/2014/main" id="{CE1E2554-26EA-13B6-0349-A1FA187B1615}"/>
-              </a:ext>
-            </a:extLst>
-          </p:cNvPr>
-          <p:cNvSpPr>
-            <a:spLocks noGrp="1"/>
-          </p:cNvSpPr>
-          <p:nvPr>
-            <p:ph type="dt" sz="half" idx="10"/>
-          </p:nvPr>
-        </p:nvSpPr>
-        <p:spPr/>
-        <p:txBody>
-          <a:bodyPr/>
-          <a:lstStyle/>
-          <a:p>
-            <a:fld id="{7C3AC100-4D19-43DA-B4AD-6C479CD3A414}" type="datetimeFigureOut">
-              <a:rPr kumimoji="1" lang="ja-JP" altLang="en-US" smtClean="0"/>
-              <a:t>2022/7/29</a:t>
-            </a:fld>
-            <a:endParaRPr kumimoji="1" lang="ja-JP" altLang="en-US"/>
-          </a:p>
-        </p:txBody>
-      </p:sp>
-      <p:sp>
-        <p:nvSpPr>
-          <p:cNvPr id="5" name="フッター プレースホルダー 4">
-            <a:extLst>
-              <a:ext uri="{FF2B5EF4-FFF2-40B4-BE49-F238E27FC236}">
-                <a16:creationId xmlns:a16="http://schemas.microsoft.com/office/drawing/2014/main" id="{9F0C4B83-2223-F09E-79F9-F6ACB4EA04CE}"/>
-              </a:ext>
-            </a:extLst>
-          </p:cNvPr>
-          <p:cNvSpPr>
-            <a:spLocks noGrp="1"/>
-          </p:cNvSpPr>
-          <p:nvPr>
-            <p:ph type="ftr" sz="quarter" idx="11"/>
-          </p:nvPr>
-        </p:nvSpPr>
-        <p:spPr/>
-        <p:txBody>
-          <a:bodyPr/>
-          <a:lstStyle/>
-          <a:p>
-            <a:endParaRPr kumimoji="1" lang="ja-JP" altLang="en-US"/>
-          </a:p>
-        </p:txBody>
-      </p:sp>
-      <p:sp>
-        <p:nvSpPr>
-          <p:cNvPr id="6" name="スライド番号プレースホルダー 5">
-            <a:extLst>
-              <a:ext uri="{FF2B5EF4-FFF2-40B4-BE49-F238E27FC236}">
-                <a16:creationId xmlns:a16="http://schemas.microsoft.com/office/drawing/2014/main" id="{9F55C0EE-7437-044D-2005-520392242006}"/>
-              </a:ext>
-            </a:extLst>
-          </p:cNvPr>
-          <p:cNvSpPr>
-            <a:spLocks noGrp="1"/>
-          </p:cNvSpPr>
-          <p:nvPr>
-            <p:ph type="sldNum" sz="quarter" idx="12"/>
-          </p:nvPr>
-        </p:nvSpPr>
-        <p:spPr/>
-        <p:txBody>
-          <a:bodyPr/>
-          <a:lstStyle/>
-          <a:p>
-            <a:fld id="{0B3DCFE2-3A20-4423-A50C-7D047414FBD0}" type="slidenum">
-              <a:rPr kumimoji="1" lang="ja-JP" altLang="en-US" smtClean="0"/>
-              <a:t>‹#›</a:t>
-            </a:fld>
-            <a:endParaRPr kumimoji="1" lang="ja-JP" altLang="en-US"/>
-          </a:p>
-        </p:txBody>
-      </p:sp>
-    </p:spTree>
-    <p:extLst>
-      <p:ext uri="{BB962C8B-B14F-4D97-AF65-F5344CB8AC3E}">
-        <p14:creationId xmlns:p14="http://schemas.microsoft.com/office/powerpoint/2010/main" val="1391348246"/>
       </p:ext>
     </p:extLst>
   </p:cSld>
@@ -3064,7 +2366,7 @@
             <a:fld id="{15384FC0-2EDF-4BC9-8FC0-5261E4DBE54F}" type="datetimeFigureOut">
               <a:rPr lang="ja-JP" altLang="en-US" smtClean="0"/>
               <a:pPr/>
-              <a:t>2022/7/29</a:t>
+              <a:t>2022/10/14</a:t>
             </a:fld>
             <a:endParaRPr lang="ja-JP" altLang="en-US"/>
           </a:p>
@@ -3167,15 +2469,12 @@
   <p:clrMap bg1="lt1" tx1="dk1" bg2="lt2" tx2="dk2" accent1="accent1" accent2="accent2" accent3="accent3" accent4="accent4" accent5="accent5" accent6="accent6" hlink="hlink" folHlink="folHlink"/>
   <p:sldLayoutIdLst>
     <p:sldLayoutId id="2147483649" r:id="rId1"/>
-    <p:sldLayoutId id="2147483650" r:id="rId2"/>
-    <p:sldLayoutId id="2147483651" r:id="rId3"/>
-    <p:sldLayoutId id="2147483678" r:id="rId4"/>
-    <p:sldLayoutId id="2147483665" r:id="rId5"/>
-    <p:sldLayoutId id="2147483652" r:id="rId6"/>
-    <p:sldLayoutId id="2147483679" r:id="rId7"/>
-    <p:sldLayoutId id="2147483680" r:id="rId8"/>
-    <p:sldLayoutId id="2147483681" r:id="rId9"/>
-    <p:sldLayoutId id="2147483682" r:id="rId10"/>
+    <p:sldLayoutId id="2147483651" r:id="rId2"/>
+    <p:sldLayoutId id="2147483650" r:id="rId3"/>
+    <p:sldLayoutId id="2147483687" r:id="rId4"/>
+    <p:sldLayoutId id="2147483678" r:id="rId5"/>
+    <p:sldLayoutId id="2147483700" r:id="rId6"/>
+    <p:sldLayoutId id="2147483652" r:id="rId7"/>
   </p:sldLayoutIdLst>
   <p:txStyles>
     <p:titleStyle>
